--- a/Documents/MIGHTY CRACKER.pptx
+++ b/Documents/MIGHTY CRACKER.pptx
@@ -8,15 +8,15 @@
     <p:sldId id="256" r:id="rId2"/>
     <p:sldId id="257" r:id="rId3"/>
     <p:sldId id="258" r:id="rId4"/>
-    <p:sldId id="259" r:id="rId5"/>
-    <p:sldId id="260" r:id="rId6"/>
-    <p:sldId id="261" r:id="rId7"/>
-    <p:sldId id="274" r:id="rId8"/>
-    <p:sldId id="262" r:id="rId9"/>
-    <p:sldId id="273" r:id="rId10"/>
-    <p:sldId id="268" r:id="rId11"/>
-    <p:sldId id="263" r:id="rId12"/>
-    <p:sldId id="264" r:id="rId13"/>
+    <p:sldId id="263" r:id="rId5"/>
+    <p:sldId id="264" r:id="rId6"/>
+    <p:sldId id="259" r:id="rId7"/>
+    <p:sldId id="260" r:id="rId8"/>
+    <p:sldId id="261" r:id="rId9"/>
+    <p:sldId id="274" r:id="rId10"/>
+    <p:sldId id="262" r:id="rId11"/>
+    <p:sldId id="273" r:id="rId12"/>
+    <p:sldId id="268" r:id="rId13"/>
     <p:sldId id="265" r:id="rId14"/>
     <p:sldId id="266" r:id="rId15"/>
     <p:sldId id="267" r:id="rId16"/>
@@ -1663,7 +1663,7 @@
           <a:p>
             <a:fld id="{18407860-67FE-4F10-8480-972E207BBF5D}" type="datetimeFigureOut">
               <a:rPr lang="en-US" smtClean="0"/>
-              <a:t>4/10/2015</a:t>
+              <a:t>4/11/15</a:t>
             </a:fld>
             <a:endParaRPr lang="en-US"/>
           </a:p>
@@ -2768,7 +2768,7 @@
           <a:p>
             <a:fld id="{18407860-67FE-4F10-8480-972E207BBF5D}" type="datetimeFigureOut">
               <a:rPr lang="en-US" smtClean="0"/>
-              <a:t>4/10/2015</a:t>
+              <a:t>4/11/15</a:t>
             </a:fld>
             <a:endParaRPr lang="en-US"/>
           </a:p>
@@ -3881,7 +3881,7 @@
           <a:p>
             <a:fld id="{18407860-67FE-4F10-8480-972E207BBF5D}" type="datetimeFigureOut">
               <a:rPr lang="en-US" smtClean="0"/>
-              <a:t>4/10/2015</a:t>
+              <a:t>4/11/15</a:t>
             </a:fld>
             <a:endParaRPr lang="en-US"/>
           </a:p>
@@ -4989,7 +4989,7 @@
           <a:p>
             <a:fld id="{18407860-67FE-4F10-8480-972E207BBF5D}" type="datetimeFigureOut">
               <a:rPr lang="en-US" smtClean="0"/>
-              <a:t>4/10/2015</a:t>
+              <a:t>4/11/15</a:t>
             </a:fld>
             <a:endParaRPr lang="en-US"/>
           </a:p>
@@ -6582,7 +6582,7 @@
           <a:p>
             <a:fld id="{18407860-67FE-4F10-8480-972E207BBF5D}" type="datetimeFigureOut">
               <a:rPr lang="en-US" smtClean="0"/>
-              <a:t>4/10/2015</a:t>
+              <a:t>4/11/15</a:t>
             </a:fld>
             <a:endParaRPr lang="en-US"/>
           </a:p>
@@ -7640,7 +7640,7 @@
           <a:p>
             <a:fld id="{18407860-67FE-4F10-8480-972E207BBF5D}" type="datetimeFigureOut">
               <a:rPr lang="en-US" smtClean="0"/>
-              <a:t>4/10/2015</a:t>
+              <a:t>4/11/15</a:t>
             </a:fld>
             <a:endParaRPr lang="en-US"/>
           </a:p>
@@ -8967,7 +8967,7 @@
           <a:p>
             <a:fld id="{18407860-67FE-4F10-8480-972E207BBF5D}" type="datetimeFigureOut">
               <a:rPr lang="en-US" smtClean="0"/>
-              <a:t>4/10/2015</a:t>
+              <a:t>4/11/15</a:t>
             </a:fld>
             <a:endParaRPr lang="en-US"/>
           </a:p>
@@ -10104,7 +10104,7 @@
           <a:p>
             <a:fld id="{18407860-67FE-4F10-8480-972E207BBF5D}" type="datetimeFigureOut">
               <a:rPr lang="en-US" smtClean="0"/>
-              <a:t>4/10/2015</a:t>
+              <a:t>4/11/15</a:t>
             </a:fld>
             <a:endParaRPr lang="en-US"/>
           </a:p>
@@ -11160,7 +11160,7 @@
           <a:p>
             <a:fld id="{18407860-67FE-4F10-8480-972E207BBF5D}" type="datetimeFigureOut">
               <a:rPr lang="en-US" smtClean="0"/>
-              <a:t>4/10/2015</a:t>
+              <a:t>4/11/15</a:t>
             </a:fld>
             <a:endParaRPr lang="en-US"/>
           </a:p>
@@ -12198,7 +12198,7 @@
           <a:p>
             <a:fld id="{18407860-67FE-4F10-8480-972E207BBF5D}" type="datetimeFigureOut">
               <a:rPr lang="en-US" smtClean="0"/>
-              <a:t>4/10/2015</a:t>
+              <a:t>4/11/15</a:t>
             </a:fld>
             <a:endParaRPr lang="en-US"/>
           </a:p>
@@ -13433,7 +13433,7 @@
           <a:p>
             <a:fld id="{18407860-67FE-4F10-8480-972E207BBF5D}" type="datetimeFigureOut">
               <a:rPr lang="en-US" smtClean="0"/>
-              <a:t>4/10/2015</a:t>
+              <a:t>4/11/15</a:t>
             </a:fld>
             <a:endParaRPr lang="en-US"/>
           </a:p>
@@ -13786,7 +13786,7 @@
           <a:p>
             <a:fld id="{18407860-67FE-4F10-8480-972E207BBF5D}" type="datetimeFigureOut">
               <a:rPr lang="en-US" smtClean="0"/>
-              <a:t>4/10/2015</a:t>
+              <a:t>4/11/15</a:t>
             </a:fld>
             <a:endParaRPr lang="en-US"/>
           </a:p>
@@ -14361,7 +14361,7 @@
   <p:timing>
     <p:tnLst>
       <p:par>
-        <p:cTn id="1" dur="indefinite" restart="never" nodeType="tmRoot"/>
+        <p:cTn xmlns:p14="http://schemas.microsoft.com/office/powerpoint/2010/main" id="1" dur="indefinite" restart="never" nodeType="tmRoot"/>
       </p:par>
     </p:tnLst>
   </p:timing>
@@ -14402,11 +14402,7 @@
           <a:p>
             <a:r>
               <a:rPr lang="en-US" dirty="0" smtClean="0"/>
-              <a:t>Single  </a:t>
-            </a:r>
-            <a:r>
-              <a:rPr lang="en-US" dirty="0" smtClean="0"/>
-              <a:t>vs Networking</a:t>
+              <a:t>Rainbow Table</a:t>
             </a:r>
             <a:endParaRPr lang="en-US" dirty="0"/>
           </a:p>
@@ -14427,44 +14423,68 @@
           <a:bodyPr/>
           <a:lstStyle/>
           <a:p>
-            <a:r>
-              <a:rPr lang="en-US" dirty="0" smtClean="0"/>
-              <a:t>Single user mode only uses one computers power to crack a password.</a:t>
-            </a:r>
-            <a:br>
-              <a:rPr lang="en-US" dirty="0" smtClean="0"/>
-            </a:br>
-            <a:r>
-              <a:rPr lang="en-US" dirty="0" smtClean="0"/>
-              <a:t>All cracking modes are available</a:t>
-            </a:r>
-          </a:p>
-          <a:p>
-            <a:r>
-              <a:rPr lang="en-US" dirty="0" smtClean="0"/>
-              <a:t>Networking mode allows many nodes to connect to a host to increase power.</a:t>
-            </a:r>
-            <a:br>
-              <a:rPr lang="en-US" dirty="0" smtClean="0"/>
-            </a:br>
-            <a:r>
-              <a:rPr lang="en-US" dirty="0" smtClean="0"/>
-              <a:t>All cracking modes are available</a:t>
-            </a:r>
             <a:endParaRPr lang="en-US" dirty="0"/>
           </a:p>
         </p:txBody>
       </p:sp>
+      <p:pic>
+        <p:nvPicPr>
+          <p:cNvPr id="2050" name="Picture 2" descr="C:\Users\Jonathan\Desktop\550px-Rainbow_table1.svg.png"/>
+          <p:cNvPicPr>
+            <a:picLocks noChangeAspect="1" noChangeArrowheads="1"/>
+          </p:cNvPicPr>
+          <p:nvPr/>
+        </p:nvPicPr>
+        <p:blipFill>
+          <a:blip r:embed="rId2">
+            <a:extLst>
+              <a:ext uri="{28A0092B-C50C-407E-A947-70E740481C1C}">
+                <a14:useLocalDpi xmlns:a14="http://schemas.microsoft.com/office/drawing/2010/main" val="0"/>
+              </a:ext>
+            </a:extLst>
+          </a:blip>
+          <a:srcRect/>
+          <a:stretch>
+            <a:fillRect/>
+          </a:stretch>
+        </p:blipFill>
+        <p:spPr bwMode="auto">
+          <a:xfrm>
+            <a:off x="304800" y="1600200"/>
+            <a:ext cx="8500613" cy="3276600"/>
+          </a:xfrm>
+          <a:prstGeom prst="rect">
+            <a:avLst/>
+          </a:prstGeom>
+          <a:noFill/>
+          <a:extLst>
+            <a:ext uri="{909E8E84-426E-40dd-AFC4-6F175D3DCCD1}">
+              <a14:hiddenFill xmlns:a14="http://schemas.microsoft.com/office/drawing/2010/main">
+                <a:solidFill>
+                  <a:srgbClr val="FFFFFF"/>
+                </a:solidFill>
+              </a14:hiddenFill>
+            </a:ext>
+          </a:extLst>
+        </p:spPr>
+      </p:pic>
     </p:spTree>
     <p:extLst>
       <p:ext uri="{BB962C8B-B14F-4D97-AF65-F5344CB8AC3E}">
-        <p14:creationId xmlns:p14="http://schemas.microsoft.com/office/powerpoint/2010/main" val="1262392959"/>
+        <p14:creationId xmlns:p14="http://schemas.microsoft.com/office/powerpoint/2010/main" val="1229273170"/>
       </p:ext>
     </p:extLst>
   </p:cSld>
   <p:clrMapOvr>
     <a:masterClrMapping/>
   </p:clrMapOvr>
+  <p:timing>
+    <p:tnLst>
+      <p:par>
+        <p:cTn xmlns:p14="http://schemas.microsoft.com/office/powerpoint/2010/main" id="1" dur="indefinite" restart="never" nodeType="tmRoot"/>
+      </p:par>
+    </p:tnLst>
+  </p:timing>
 </p:sld>
 </file>
 
@@ -14501,10 +14521,9 @@
           <a:lstStyle/>
           <a:p>
             <a:r>
-              <a:rPr lang="en-US" dirty="0" smtClean="0"/>
-              <a:t>What is Hashing</a:t>
+              <a:rPr lang="en-US" dirty="0"/>
+              <a:t>Rainbow Table</a:t>
             </a:r>
-            <a:endParaRPr lang="en-US" dirty="0"/>
           </a:p>
         </p:txBody>
       </p:sp>
@@ -14523,57 +14542,55 @@
           <a:bodyPr/>
           <a:lstStyle/>
           <a:p>
-            <a:r>
-              <a:rPr lang="en-US" dirty="0" smtClean="0"/>
-              <a:t>A way to encode a password to help protect it.</a:t>
-            </a:r>
-          </a:p>
-          <a:p>
-            <a:pPr lvl="1"/>
-            <a:r>
-              <a:rPr lang="en-US" dirty="0" smtClean="0"/>
-              <a:t>MD5</a:t>
-            </a:r>
-            <a:r>
-              <a:rPr lang="en-US" dirty="0"/>
-              <a:t/>
-            </a:r>
-            <a:br>
-              <a:rPr lang="en-US" dirty="0"/>
-            </a:br>
-            <a:r>
-              <a:rPr lang="en-US" dirty="0"/>
-              <a:t>Popcorn -&gt; </a:t>
-            </a:r>
-            <a:r>
-              <a:rPr lang="en-US" dirty="0" smtClean="0"/>
-              <a:t>cf4ff726403b8a992fd43e09dd7b5717</a:t>
-            </a:r>
-          </a:p>
-          <a:p>
-            <a:pPr lvl="1"/>
-            <a:r>
-              <a:rPr lang="en-US" dirty="0" smtClean="0"/>
-              <a:t>SHA-256</a:t>
-            </a:r>
-            <a:br>
-              <a:rPr lang="en-US" dirty="0" smtClean="0"/>
-            </a:br>
-            <a:r>
-              <a:rPr lang="en-US" dirty="0" smtClean="0"/>
-              <a:t>Popcorn </a:t>
-            </a:r>
-            <a:r>
-              <a:rPr lang="en-US" dirty="0"/>
-              <a:t>-&gt; 951e689364c979cc3aa17e6b0022ce6e4d0e3200d1c22dd68492c172241e0623</a:t>
-            </a:r>
+            <a:endParaRPr lang="en-US" dirty="0"/>
           </a:p>
         </p:txBody>
       </p:sp>
+      <p:pic>
+        <p:nvPicPr>
+          <p:cNvPr id="3074" name="Picture 2" descr="C:\Users\Jonathan\Desktop\550px-Rainbow_table1.svg.png"/>
+          <p:cNvPicPr>
+            <a:picLocks noChangeAspect="1" noChangeArrowheads="1"/>
+          </p:cNvPicPr>
+          <p:nvPr/>
+        </p:nvPicPr>
+        <p:blipFill>
+          <a:blip r:embed="rId2">
+            <a:extLst>
+              <a:ext uri="{28A0092B-C50C-407E-A947-70E740481C1C}">
+                <a14:useLocalDpi xmlns:a14="http://schemas.microsoft.com/office/drawing/2010/main" val="0"/>
+              </a:ext>
+            </a:extLst>
+          </a:blip>
+          <a:srcRect/>
+          <a:stretch>
+            <a:fillRect/>
+          </a:stretch>
+        </p:blipFill>
+        <p:spPr bwMode="auto">
+          <a:xfrm>
+            <a:off x="3276600" y="1905000"/>
+            <a:ext cx="2416629" cy="2819400"/>
+          </a:xfrm>
+          <a:prstGeom prst="rect">
+            <a:avLst/>
+          </a:prstGeom>
+          <a:noFill/>
+          <a:extLst>
+            <a:ext uri="{909E8E84-426E-40dd-AFC4-6F175D3DCCD1}">
+              <a14:hiddenFill xmlns:a14="http://schemas.microsoft.com/office/drawing/2010/main">
+                <a:solidFill>
+                  <a:srgbClr val="FFFFFF"/>
+                </a:solidFill>
+              </a14:hiddenFill>
+            </a:ext>
+          </a:extLst>
+        </p:spPr>
+      </p:pic>
     </p:spTree>
     <p:extLst>
       <p:ext uri="{BB962C8B-B14F-4D97-AF65-F5344CB8AC3E}">
-        <p14:creationId xmlns:p14="http://schemas.microsoft.com/office/powerpoint/2010/main" val="2667513098"/>
+        <p14:creationId xmlns:p14="http://schemas.microsoft.com/office/powerpoint/2010/main" val="3464139348"/>
       </p:ext>
     </p:extLst>
   </p:cSld>
@@ -14617,7 +14634,7 @@
           <a:p>
             <a:r>
               <a:rPr lang="en-US" dirty="0" smtClean="0"/>
-              <a:t>Hashing Algorithms</a:t>
+              <a:t>Single  vs Networking</a:t>
             </a:r>
             <a:endParaRPr lang="en-US" dirty="0"/>
           </a:p>
@@ -14639,36 +14656,45 @@
           <a:lstStyle/>
           <a:p>
             <a:r>
-              <a:rPr lang="en-US" dirty="0" err="1"/>
-              <a:t>sha</a:t>
+              <a:rPr lang="en-US" dirty="0" smtClean="0"/>
+              <a:t>Single user mode only uses one computers power to crack a password.</a:t>
+            </a:r>
+            <a:br>
+              <a:rPr lang="en-US" dirty="0" smtClean="0"/>
+            </a:br>
+            <a:r>
+              <a:rPr lang="en-US" dirty="0" smtClean="0"/>
+              <a:t>All cracking modes are available</a:t>
+            </a:r>
+          </a:p>
+          <a:p>
+            <a:r>
+              <a:rPr lang="en-US" dirty="0" smtClean="0"/>
+              <a:t>Networking mode allows many nodes to connect to a host to increase </a:t>
             </a:r>
             <a:r>
-              <a:rPr lang="en-US" dirty="0"/>
-              <a:t> 224,sha 256, </a:t>
+              <a:rPr lang="en-US" dirty="0" smtClean="0"/>
+              <a:t>power through parallelization.</a:t>
             </a:r>
             <a:r>
-              <a:rPr lang="en-US" dirty="0" err="1"/>
-              <a:t>sha</a:t>
+              <a:rPr lang="en-US" dirty="0" smtClean="0"/>
+              <a:t/>
             </a:r>
+            <a:br>
+              <a:rPr lang="en-US" dirty="0" smtClean="0"/>
+            </a:br>
             <a:r>
-              <a:rPr lang="en-US" dirty="0"/>
-              <a:t> 512, </a:t>
+              <a:rPr lang="en-US" dirty="0" smtClean="0"/>
+              <a:t>All cracking modes are available</a:t>
             </a:r>
-            <a:r>
-              <a:rPr lang="en-US" dirty="0" err="1"/>
-              <a:t>sha</a:t>
-            </a:r>
-            <a:r>
-              <a:rPr lang="en-US" dirty="0"/>
-              <a:t> 1, and md5</a:t>
-            </a:r>
+            <a:endParaRPr lang="en-US" dirty="0"/>
           </a:p>
         </p:txBody>
       </p:sp>
     </p:spTree>
     <p:extLst>
       <p:ext uri="{BB962C8B-B14F-4D97-AF65-F5344CB8AC3E}">
-        <p14:creationId xmlns:p14="http://schemas.microsoft.com/office/powerpoint/2010/main" val="2900173230"/>
+        <p14:creationId xmlns:p14="http://schemas.microsoft.com/office/powerpoint/2010/main" val="1262392959"/>
       </p:ext>
     </p:extLst>
   </p:cSld>
@@ -15261,7 +15287,7 @@
   <p:timing>
     <p:tnLst>
       <p:par>
-        <p:cTn id="1" dur="indefinite" restart="never" nodeType="tmRoot"/>
+        <p:cTn xmlns:p14="http://schemas.microsoft.com/office/powerpoint/2010/main" id="1" dur="indefinite" restart="never" nodeType="tmRoot"/>
       </p:par>
     </p:tnLst>
   </p:timing>
@@ -15384,7 +15410,7 @@
           </a:prstGeom>
           <a:noFill/>
           <a:extLst>
-            <a:ext uri="{909E8E84-426E-40DD-AFC4-6F175D3DCCD1}">
+            <a:ext uri="{909E8E84-426E-40dd-AFC4-6F175D3DCCD1}">
               <a14:hiddenFill xmlns:a14="http://schemas.microsoft.com/office/drawing/2010/main">
                 <a:solidFill>
                   <a:srgbClr val="FFFFFF"/>
@@ -15425,7 +15451,7 @@
           </a:prstGeom>
           <a:noFill/>
           <a:extLst>
-            <a:ext uri="{909E8E84-426E-40DD-AFC4-6F175D3DCCD1}">
+            <a:ext uri="{909E8E84-426E-40dd-AFC4-6F175D3DCCD1}">
               <a14:hiddenFill xmlns:a14="http://schemas.microsoft.com/office/drawing/2010/main">
                 <a:solidFill>
                   <a:srgbClr val="FFFFFF"/>
@@ -15466,7 +15492,7 @@
           </a:prstGeom>
           <a:noFill/>
           <a:extLst>
-            <a:ext uri="{909E8E84-426E-40DD-AFC4-6F175D3DCCD1}">
+            <a:ext uri="{909E8E84-426E-40dd-AFC4-6F175D3DCCD1}">
               <a14:hiddenFill xmlns:a14="http://schemas.microsoft.com/office/drawing/2010/main">
                 <a:solidFill>
                   <a:srgbClr val="FFFFFF"/>
@@ -15507,7 +15533,7 @@
           </a:prstGeom>
           <a:noFill/>
           <a:extLst>
-            <a:ext uri="{909E8E84-426E-40DD-AFC4-6F175D3DCCD1}">
+            <a:ext uri="{909E8E84-426E-40dd-AFC4-6F175D3DCCD1}">
               <a14:hiddenFill xmlns:a14="http://schemas.microsoft.com/office/drawing/2010/main">
                 <a:solidFill>
                   <a:srgbClr val="FFFFFF"/>
@@ -15548,7 +15574,7 @@
           </a:prstGeom>
           <a:noFill/>
           <a:extLst>
-            <a:ext uri="{909E8E84-426E-40DD-AFC4-6F175D3DCCD1}">
+            <a:ext uri="{909E8E84-426E-40dd-AFC4-6F175D3DCCD1}">
               <a14:hiddenFill xmlns:a14="http://schemas.microsoft.com/office/drawing/2010/main">
                 <a:solidFill>
                   <a:srgbClr val="FFFFFF"/>
@@ -15589,7 +15615,7 @@
           </a:prstGeom>
           <a:noFill/>
           <a:extLst>
-            <a:ext uri="{909E8E84-426E-40DD-AFC4-6F175D3DCCD1}">
+            <a:ext uri="{909E8E84-426E-40dd-AFC4-6F175D3DCCD1}">
               <a14:hiddenFill xmlns:a14="http://schemas.microsoft.com/office/drawing/2010/main">
                 <a:solidFill>
                   <a:srgbClr val="FFFFFF"/>
@@ -15612,7 +15638,7 @@
   <p:timing>
     <p:tnLst>
       <p:par>
-        <p:cTn id="1" dur="indefinite" restart="never" nodeType="tmRoot"/>
+        <p:cTn xmlns:p14="http://schemas.microsoft.com/office/powerpoint/2010/main" id="1" dur="indefinite" restart="never" nodeType="tmRoot"/>
       </p:par>
     </p:tnLst>
   </p:timing>
@@ -15653,7 +15679,7 @@
           <a:p>
             <a:r>
               <a:rPr lang="en-US" dirty="0" smtClean="0"/>
-              <a:t>Ways To Crack</a:t>
+              <a:t>What is Hashing</a:t>
             </a:r>
             <a:endParaRPr lang="en-US" dirty="0"/>
           </a:p>
@@ -15676,69 +15702,65 @@
           <a:p>
             <a:r>
               <a:rPr lang="en-US" dirty="0" smtClean="0"/>
-              <a:t>Single User</a:t>
+              <a:t>A way to encode a password to help protect it.</a:t>
             </a:r>
           </a:p>
           <a:p>
+            <a:pPr lvl="1"/>
             <a:r>
               <a:rPr lang="en-US" dirty="0" smtClean="0"/>
-              <a:t>Network Mode</a:t>
+              <a:t>MD5</a:t>
             </a:r>
-          </a:p>
-          <a:p>
-            <a:pPr marL="0" indent="0">
-              <a:buNone/>
-            </a:pPr>
+            <a:r>
+              <a:rPr lang="en-US" dirty="0"/>
+              <a:t/>
+            </a:r>
+            <a:br>
+              <a:rPr lang="en-US" dirty="0"/>
+            </a:br>
             <a:r>
               <a:rPr lang="en-US" dirty="0" smtClean="0"/>
-              <a:t>	</a:t>
+              <a:t>popcorn </a:t>
+            </a:r>
+            <a:r>
+              <a:rPr lang="en-US" dirty="0"/>
+              <a:t>-&gt; </a:t>
+            </a:r>
+            <a:r>
+              <a:rPr lang="en-US" dirty="0" smtClean="0"/>
+              <a:t>cf4ff726403b8a992fd43e09dd7b5717</a:t>
+            </a:r>
+          </a:p>
+          <a:p>
+            <a:pPr lvl="1"/>
+            <a:r>
+              <a:rPr lang="en-US" dirty="0" smtClean="0"/>
+              <a:t>SHA-256</a:t>
             </a:r>
             <a:br>
               <a:rPr lang="en-US" dirty="0" smtClean="0"/>
             </a:br>
             <a:r>
               <a:rPr lang="en-US" dirty="0" smtClean="0"/>
-              <a:t>	Brute Force</a:t>
+              <a:t>popcorn </a:t>
             </a:r>
-          </a:p>
-          <a:p>
-            <a:pPr marL="0" indent="0">
-              <a:buNone/>
-            </a:pPr>
             <a:r>
-              <a:rPr lang="en-US" dirty="0" smtClean="0"/>
-              <a:t>	Dictionary</a:t>
+              <a:rPr lang="en-US" dirty="0"/>
+              <a:t>-&gt; 951e689364c979cc3aa17e6b0022ce6e4d0e3200d1c22dd68492c172241e0623</a:t>
             </a:r>
-          </a:p>
-          <a:p>
-            <a:pPr marL="0" indent="0">
-              <a:buNone/>
-            </a:pPr>
-            <a:r>
-              <a:rPr lang="en-US" dirty="0" smtClean="0"/>
-              <a:t>	Rainbow Table</a:t>
-            </a:r>
-            <a:endParaRPr lang="en-US" dirty="0"/>
           </a:p>
         </p:txBody>
       </p:sp>
     </p:spTree>
     <p:extLst>
       <p:ext uri="{BB962C8B-B14F-4D97-AF65-F5344CB8AC3E}">
-        <p14:creationId xmlns:p14="http://schemas.microsoft.com/office/powerpoint/2010/main" val="2788484068"/>
+        <p14:creationId xmlns:p14="http://schemas.microsoft.com/office/powerpoint/2010/main" val="2667513098"/>
       </p:ext>
     </p:extLst>
   </p:cSld>
   <p:clrMapOvr>
     <a:masterClrMapping/>
   </p:clrMapOvr>
-  <p:timing>
-    <p:tnLst>
-      <p:par>
-        <p:cTn id="1" dur="indefinite" restart="never" nodeType="tmRoot"/>
-      </p:par>
-    </p:tnLst>
-  </p:timing>
 </p:sld>
 </file>
 
@@ -15776,7 +15798,7 @@
           <a:p>
             <a:r>
               <a:rPr lang="en-US" dirty="0" smtClean="0"/>
-              <a:t>Brute Force</a:t>
+              <a:t>Hashing Algorithms</a:t>
             </a:r>
             <a:endParaRPr lang="en-US" dirty="0"/>
           </a:p>
@@ -15799,13 +15821,51 @@
           <a:p>
             <a:r>
               <a:rPr lang="en-US" dirty="0" smtClean="0"/>
-              <a:t>Systematically checking all possible keys until the correct one is found.</a:t>
+              <a:t>SHA-224</a:t>
             </a:r>
-          </a:p>
-          <a:p>
+            <a:r>
+              <a:rPr lang="en-US" dirty="0"/>
+              <a:t>, </a:t>
+            </a:r>
             <a:r>
               <a:rPr lang="en-US" dirty="0" smtClean="0"/>
-              <a:t>Worst case this would transverse the entire search space</a:t>
+              <a:t>SHA-</a:t>
+            </a:r>
+            <a:r>
+              <a:rPr lang="en-US" dirty="0" smtClean="0"/>
+              <a:t>256</a:t>
+            </a:r>
+            <a:r>
+              <a:rPr lang="en-US" dirty="0"/>
+              <a:t>, </a:t>
+            </a:r>
+            <a:r>
+              <a:rPr lang="en-US" dirty="0" smtClean="0"/>
+              <a:t>SHA-</a:t>
+            </a:r>
+            <a:r>
+              <a:rPr lang="en-US" dirty="0" smtClean="0"/>
+              <a:t>512</a:t>
+            </a:r>
+            <a:r>
+              <a:rPr lang="en-US" dirty="0"/>
+              <a:t>, </a:t>
+            </a:r>
+            <a:r>
+              <a:rPr lang="en-US" dirty="0" smtClean="0"/>
+              <a:t>SHA-1</a:t>
+            </a:r>
+            <a:r>
+              <a:rPr lang="en-US" dirty="0" smtClean="0"/>
+              <a:t>, </a:t>
+            </a:r>
+            <a:r>
+              <a:rPr lang="en-US" dirty="0"/>
+              <a:t>and </a:t>
+            </a:r>
+            <a:r>
+              <a:rPr lang="en-US" dirty="0" smtClean="0"/>
+              <a:t>MD5</a:t>
             </a:r>
             <a:endParaRPr lang="en-US" dirty="0"/>
           </a:p>
@@ -15814,20 +15874,13 @@
     </p:spTree>
     <p:extLst>
       <p:ext uri="{BB962C8B-B14F-4D97-AF65-F5344CB8AC3E}">
-        <p14:creationId xmlns:p14="http://schemas.microsoft.com/office/powerpoint/2010/main" val="2210939324"/>
+        <p14:creationId xmlns:p14="http://schemas.microsoft.com/office/powerpoint/2010/main" val="2900173230"/>
       </p:ext>
     </p:extLst>
   </p:cSld>
   <p:clrMapOvr>
     <a:masterClrMapping/>
   </p:clrMapOvr>
-  <p:timing>
-    <p:tnLst>
-      <p:par>
-        <p:cTn id="1" dur="indefinite" restart="never" nodeType="tmRoot"/>
-      </p:par>
-    </p:tnLst>
-  </p:timing>
 </p:sld>
 </file>
 
@@ -15865,7 +15918,7 @@
           <a:p>
             <a:r>
               <a:rPr lang="en-US" dirty="0" smtClean="0"/>
-              <a:t>Dictionary Attack</a:t>
+              <a:t>Ways To Crack</a:t>
             </a:r>
             <a:endParaRPr lang="en-US" dirty="0"/>
           </a:p>
@@ -15888,13 +15941,47 @@
           <a:p>
             <a:r>
               <a:rPr lang="en-US" dirty="0" smtClean="0"/>
-              <a:t>Uses a prebuilt list of possible keys</a:t>
+              <a:t>Single User</a:t>
             </a:r>
           </a:p>
           <a:p>
             <a:r>
               <a:rPr lang="en-US" dirty="0" smtClean="0"/>
-              <a:t>Attack succeeds because many people choose a password that based on a word and 7 characters of fewer</a:t>
+              <a:t>Network Mode</a:t>
+            </a:r>
+          </a:p>
+          <a:p>
+            <a:pPr marL="0" indent="0">
+              <a:buNone/>
+            </a:pPr>
+            <a:r>
+              <a:rPr lang="en-US" dirty="0" smtClean="0"/>
+              <a:t>	</a:t>
+            </a:r>
+            <a:br>
+              <a:rPr lang="en-US" dirty="0" smtClean="0"/>
+            </a:br>
+            <a:r>
+              <a:rPr lang="en-US" dirty="0" smtClean="0"/>
+              <a:t>	Brute Force</a:t>
+            </a:r>
+          </a:p>
+          <a:p>
+            <a:pPr marL="0" indent="0">
+              <a:buNone/>
+            </a:pPr>
+            <a:r>
+              <a:rPr lang="en-US" dirty="0" smtClean="0"/>
+              <a:t>	Dictionary</a:t>
+            </a:r>
+          </a:p>
+          <a:p>
+            <a:pPr marL="0" indent="0">
+              <a:buNone/>
+            </a:pPr>
+            <a:r>
+              <a:rPr lang="en-US" dirty="0" smtClean="0"/>
+              <a:t>	Rainbow Table</a:t>
             </a:r>
             <a:endParaRPr lang="en-US" dirty="0"/>
           </a:p>
@@ -15903,7 +15990,7 @@
     </p:spTree>
     <p:extLst>
       <p:ext uri="{BB962C8B-B14F-4D97-AF65-F5344CB8AC3E}">
-        <p14:creationId xmlns:p14="http://schemas.microsoft.com/office/powerpoint/2010/main" val="2392407639"/>
+        <p14:creationId xmlns:p14="http://schemas.microsoft.com/office/powerpoint/2010/main" val="2788484068"/>
       </p:ext>
     </p:extLst>
   </p:cSld>
@@ -15913,7 +16000,7 @@
   <p:timing>
     <p:tnLst>
       <p:par>
-        <p:cTn id="1" dur="indefinite" restart="never" nodeType="tmRoot"/>
+        <p:cTn xmlns:p14="http://schemas.microsoft.com/office/powerpoint/2010/main" id="1" dur="indefinite" restart="never" nodeType="tmRoot"/>
       </p:par>
     </p:tnLst>
   </p:timing>
@@ -15953,9 +16040,10 @@
           <a:lstStyle/>
           <a:p>
             <a:r>
-              <a:rPr lang="en-US" dirty="0"/>
-              <a:t>Rainbow Table</a:t>
+              <a:rPr lang="en-US" dirty="0" smtClean="0"/>
+              <a:t>Brute Force</a:t>
             </a:r>
+            <a:endParaRPr lang="en-US" dirty="0"/>
           </a:p>
         </p:txBody>
       </p:sp>
@@ -15976,7 +16064,23 @@
           <a:p>
             <a:r>
               <a:rPr lang="en-US" dirty="0" smtClean="0"/>
-              <a:t>More complicated way to store lots of hashes in less space.</a:t>
+              <a:t>Systematically checking all possible keys until the correct one is found.</a:t>
+            </a:r>
+          </a:p>
+          <a:p>
+            <a:r>
+              <a:rPr lang="en-US" dirty="0" smtClean="0"/>
+              <a:t>Worst case this would transverse the entire search </a:t>
+            </a:r>
+            <a:r>
+              <a:rPr lang="en-US" dirty="0" smtClean="0"/>
+              <a:t>space.</a:t>
+            </a:r>
+          </a:p>
+          <a:p>
+            <a:r>
+              <a:rPr lang="en-US" dirty="0" smtClean="0"/>
+              <a:t>Slowest but will always find the solution if given enough time.</a:t>
             </a:r>
             <a:endParaRPr lang="en-US" dirty="0"/>
           </a:p>
@@ -15985,13 +16089,20 @@
     </p:spTree>
     <p:extLst>
       <p:ext uri="{BB962C8B-B14F-4D97-AF65-F5344CB8AC3E}">
-        <p14:creationId xmlns:p14="http://schemas.microsoft.com/office/powerpoint/2010/main" val="660518660"/>
+        <p14:creationId xmlns:p14="http://schemas.microsoft.com/office/powerpoint/2010/main" val="2210939324"/>
       </p:ext>
     </p:extLst>
   </p:cSld>
   <p:clrMapOvr>
     <a:masterClrMapping/>
   </p:clrMapOvr>
+  <p:timing>
+    <p:tnLst>
+      <p:par>
+        <p:cTn xmlns:p14="http://schemas.microsoft.com/office/powerpoint/2010/main" id="1" dur="indefinite" restart="never" nodeType="tmRoot"/>
+      </p:par>
+    </p:tnLst>
+  </p:timing>
 </p:sld>
 </file>
 
@@ -16029,7 +16140,7 @@
           <a:p>
             <a:r>
               <a:rPr lang="en-US" dirty="0" smtClean="0"/>
-              <a:t>Rainbow Table</a:t>
+              <a:t>Dictionary Attack</a:t>
             </a:r>
             <a:endParaRPr lang="en-US" dirty="0"/>
           </a:p>
@@ -16050,55 +16161,40 @@
           <a:bodyPr/>
           <a:lstStyle/>
           <a:p>
+            <a:r>
+              <a:rPr lang="en-US" dirty="0" smtClean="0"/>
+              <a:t>Uses a prebuilt list of possible keys</a:t>
+            </a:r>
+          </a:p>
+          <a:p>
+            <a:r>
+              <a:rPr lang="en-US" dirty="0" smtClean="0"/>
+              <a:t>Attack succeeds because many people choose a password that based on a word and 7 characters of </a:t>
+            </a:r>
+            <a:r>
+              <a:rPr lang="en-US" dirty="0" smtClean="0"/>
+              <a:t>fewer</a:t>
+            </a:r>
+          </a:p>
+          <a:p>
+            <a:r>
+              <a:rPr lang="en-US" dirty="0" smtClean="0"/>
+              <a:t>Dictionaries are compiled from leaked or cracked password lists.</a:t>
+            </a:r>
+          </a:p>
+          <a:p>
+            <a:r>
+              <a:rPr lang="en-US" dirty="0" smtClean="0"/>
+              <a:t>This is why passwords should be new and not reused.</a:t>
+            </a:r>
             <a:endParaRPr lang="en-US" dirty="0"/>
           </a:p>
         </p:txBody>
       </p:sp>
-      <p:pic>
-        <p:nvPicPr>
-          <p:cNvPr id="2050" name="Picture 2" descr="C:\Users\Jonathan\Desktop\550px-Rainbow_table1.svg.png"/>
-          <p:cNvPicPr>
-            <a:picLocks noChangeAspect="1" noChangeArrowheads="1"/>
-          </p:cNvPicPr>
-          <p:nvPr/>
-        </p:nvPicPr>
-        <p:blipFill>
-          <a:blip r:embed="rId2">
-            <a:extLst>
-              <a:ext uri="{28A0092B-C50C-407E-A947-70E740481C1C}">
-                <a14:useLocalDpi xmlns:a14="http://schemas.microsoft.com/office/drawing/2010/main" val="0"/>
-              </a:ext>
-            </a:extLst>
-          </a:blip>
-          <a:srcRect/>
-          <a:stretch>
-            <a:fillRect/>
-          </a:stretch>
-        </p:blipFill>
-        <p:spPr bwMode="auto">
-          <a:xfrm>
-            <a:off x="1600200" y="2209800"/>
-            <a:ext cx="5238750" cy="2019300"/>
-          </a:xfrm>
-          <a:prstGeom prst="rect">
-            <a:avLst/>
-          </a:prstGeom>
-          <a:noFill/>
-          <a:extLst>
-            <a:ext uri="{909E8E84-426E-40DD-AFC4-6F175D3DCCD1}">
-              <a14:hiddenFill xmlns:a14="http://schemas.microsoft.com/office/drawing/2010/main">
-                <a:solidFill>
-                  <a:srgbClr val="FFFFFF"/>
-                </a:solidFill>
-              </a14:hiddenFill>
-            </a:ext>
-          </a:extLst>
-        </p:spPr>
-      </p:pic>
     </p:spTree>
     <p:extLst>
       <p:ext uri="{BB962C8B-B14F-4D97-AF65-F5344CB8AC3E}">
-        <p14:creationId xmlns:p14="http://schemas.microsoft.com/office/powerpoint/2010/main" val="1229273170"/>
+        <p14:creationId xmlns:p14="http://schemas.microsoft.com/office/powerpoint/2010/main" val="2392407639"/>
       </p:ext>
     </p:extLst>
   </p:cSld>
@@ -16108,7 +16204,7 @@
   <p:timing>
     <p:tnLst>
       <p:par>
-        <p:cTn id="1" dur="indefinite" restart="never" nodeType="tmRoot"/>
+        <p:cTn xmlns:p14="http://schemas.microsoft.com/office/powerpoint/2010/main" id="1" dur="indefinite" restart="never" nodeType="tmRoot"/>
       </p:par>
     </p:tnLst>
   </p:timing>
@@ -16166,58 +16262,64 @@
         </p:nvSpPr>
         <p:spPr/>
         <p:txBody>
-          <a:bodyPr/>
+          <a:bodyPr>
+            <a:normAutofit/>
+          </a:bodyPr>
           <a:lstStyle/>
           <a:p>
-            <a:endParaRPr lang="en-US" dirty="0"/>
+            <a:r>
+              <a:rPr lang="en-US" sz="2200" dirty="0" smtClean="0"/>
+              <a:t>Ideally, we would store all possible hash/key combinations.</a:t>
+            </a:r>
+          </a:p>
+          <a:p>
+            <a:r>
+              <a:rPr lang="en-US" sz="2200" dirty="0" smtClean="0"/>
+              <a:t>Storage is the problem.</a:t>
+            </a:r>
+          </a:p>
+          <a:p>
+            <a:r>
+              <a:rPr lang="en-US" sz="2200" dirty="0" smtClean="0"/>
+              <a:t>Rainbow tables are a solution.</a:t>
+            </a:r>
+          </a:p>
+          <a:p>
+            <a:r>
+              <a:rPr lang="en-US" sz="2200" dirty="0" smtClean="0"/>
+              <a:t>Reduce storage needs at the cost of computational complexity.</a:t>
+            </a:r>
+          </a:p>
+          <a:p>
+            <a:r>
+              <a:rPr lang="en-US" sz="2200" dirty="0" smtClean="0"/>
+              <a:t>Storage can still be immense.</a:t>
+            </a:r>
+          </a:p>
+          <a:p>
+            <a:r>
+              <a:rPr lang="en-US" sz="2200" dirty="0"/>
+              <a:t>T</a:t>
+            </a:r>
+            <a:r>
+              <a:rPr lang="en-US" sz="2200" dirty="0" smtClean="0"/>
+              <a:t>ime </a:t>
+            </a:r>
+            <a:r>
+              <a:rPr lang="en-US" sz="2200" dirty="0" smtClean="0"/>
+              <a:t>to crack is far faster than other methods.</a:t>
+            </a:r>
+            <a:endParaRPr lang="en-US" sz="2200" dirty="0" smtClean="0"/>
+          </a:p>
+          <a:p>
+            <a:endParaRPr lang="en-US" sz="2200" dirty="0"/>
           </a:p>
         </p:txBody>
       </p:sp>
-      <p:pic>
-        <p:nvPicPr>
-          <p:cNvPr id="3074" name="Picture 2" descr="C:\Users\Jonathan\Desktop\550px-Rainbow_table1.svg.png"/>
-          <p:cNvPicPr>
-            <a:picLocks noChangeAspect="1" noChangeArrowheads="1"/>
-          </p:cNvPicPr>
-          <p:nvPr/>
-        </p:nvPicPr>
-        <p:blipFill>
-          <a:blip r:embed="rId2">
-            <a:extLst>
-              <a:ext uri="{28A0092B-C50C-407E-A947-70E740481C1C}">
-                <a14:useLocalDpi xmlns:a14="http://schemas.microsoft.com/office/drawing/2010/main" val="0"/>
-              </a:ext>
-            </a:extLst>
-          </a:blip>
-          <a:srcRect/>
-          <a:stretch>
-            <a:fillRect/>
-          </a:stretch>
-        </p:blipFill>
-        <p:spPr bwMode="auto">
-          <a:xfrm>
-            <a:off x="3594100" y="2505075"/>
-            <a:ext cx="1771650" cy="2066925"/>
-          </a:xfrm>
-          <a:prstGeom prst="rect">
-            <a:avLst/>
-          </a:prstGeom>
-          <a:noFill/>
-          <a:extLst>
-            <a:ext uri="{909E8E84-426E-40DD-AFC4-6F175D3DCCD1}">
-              <a14:hiddenFill xmlns:a14="http://schemas.microsoft.com/office/drawing/2010/main">
-                <a:solidFill>
-                  <a:srgbClr val="FFFFFF"/>
-                </a:solidFill>
-              </a14:hiddenFill>
-            </a:ext>
-          </a:extLst>
-        </p:spPr>
-      </p:pic>
     </p:spTree>
     <p:extLst>
       <p:ext uri="{BB962C8B-B14F-4D97-AF65-F5344CB8AC3E}">
-        <p14:creationId xmlns:p14="http://schemas.microsoft.com/office/powerpoint/2010/main" val="3464139348"/>
+        <p14:creationId xmlns:p14="http://schemas.microsoft.com/office/powerpoint/2010/main" val="660518660"/>
       </p:ext>
     </p:extLst>
   </p:cSld>
